--- a/Introduction to R and RStudio.pptx
+++ b/Introduction to R and RStudio.pptx
@@ -275,7 +275,7 @@
               <a:rPr lang="en-US" smtClean="0"/>
               <a:t>4/26/2021</a:t>
             </a:fld>
-            <a:endParaRPr lang="en-US"/>
+            <a:endParaRPr lang="en-US" dirty="0"/>
           </a:p>
         </p:txBody>
       </p:sp>
@@ -300,7 +300,7 @@
           <a:bodyPr/>
           <a:lstStyle/>
           <a:p>
-            <a:endParaRPr lang="en-US"/>
+            <a:endParaRPr lang="en-US" dirty="0"/>
           </a:p>
         </p:txBody>
       </p:sp>
@@ -329,7 +329,7 @@
               <a:rPr lang="en-US" smtClean="0"/>
               <a:t>‹#›</a:t>
             </a:fld>
-            <a:endParaRPr lang="en-US"/>
+            <a:endParaRPr lang="en-US" dirty="0"/>
           </a:p>
         </p:txBody>
       </p:sp>
@@ -473,7 +473,7 @@
               <a:rPr lang="en-US" smtClean="0"/>
               <a:t>4/26/2021</a:t>
             </a:fld>
-            <a:endParaRPr lang="en-US"/>
+            <a:endParaRPr lang="en-US" dirty="0"/>
           </a:p>
         </p:txBody>
       </p:sp>
@@ -498,7 +498,7 @@
           <a:bodyPr/>
           <a:lstStyle/>
           <a:p>
-            <a:endParaRPr lang="en-US"/>
+            <a:endParaRPr lang="en-US" dirty="0"/>
           </a:p>
         </p:txBody>
       </p:sp>
@@ -527,7 +527,7 @@
               <a:rPr lang="en-US" smtClean="0"/>
               <a:t>‹#›</a:t>
             </a:fld>
-            <a:endParaRPr lang="en-US"/>
+            <a:endParaRPr lang="en-US" dirty="0"/>
           </a:p>
         </p:txBody>
       </p:sp>
@@ -681,7 +681,7 @@
               <a:rPr lang="en-US" smtClean="0"/>
               <a:t>4/26/2021</a:t>
             </a:fld>
-            <a:endParaRPr lang="en-US"/>
+            <a:endParaRPr lang="en-US" dirty="0"/>
           </a:p>
         </p:txBody>
       </p:sp>
@@ -706,7 +706,7 @@
           <a:bodyPr/>
           <a:lstStyle/>
           <a:p>
-            <a:endParaRPr lang="en-US"/>
+            <a:endParaRPr lang="en-US" dirty="0"/>
           </a:p>
         </p:txBody>
       </p:sp>
@@ -735,7 +735,7 @@
               <a:rPr lang="en-US" smtClean="0"/>
               <a:t>‹#›</a:t>
             </a:fld>
-            <a:endParaRPr lang="en-US"/>
+            <a:endParaRPr lang="en-US" dirty="0"/>
           </a:p>
         </p:txBody>
       </p:sp>
@@ -879,7 +879,7 @@
               <a:rPr lang="en-US" smtClean="0"/>
               <a:t>4/26/2021</a:t>
             </a:fld>
-            <a:endParaRPr lang="en-US"/>
+            <a:endParaRPr lang="en-US" dirty="0"/>
           </a:p>
         </p:txBody>
       </p:sp>
@@ -904,7 +904,7 @@
           <a:bodyPr/>
           <a:lstStyle/>
           <a:p>
-            <a:endParaRPr lang="en-US"/>
+            <a:endParaRPr lang="en-US" dirty="0"/>
           </a:p>
         </p:txBody>
       </p:sp>
@@ -933,7 +933,7 @@
               <a:rPr lang="en-US" smtClean="0"/>
               <a:t>‹#›</a:t>
             </a:fld>
-            <a:endParaRPr lang="en-US"/>
+            <a:endParaRPr lang="en-US" dirty="0"/>
           </a:p>
         </p:txBody>
       </p:sp>
@@ -1154,7 +1154,7 @@
               <a:rPr lang="en-US" smtClean="0"/>
               <a:t>4/26/2021</a:t>
             </a:fld>
-            <a:endParaRPr lang="en-US"/>
+            <a:endParaRPr lang="en-US" dirty="0"/>
           </a:p>
         </p:txBody>
       </p:sp>
@@ -1179,7 +1179,7 @@
           <a:bodyPr/>
           <a:lstStyle/>
           <a:p>
-            <a:endParaRPr lang="en-US"/>
+            <a:endParaRPr lang="en-US" dirty="0"/>
           </a:p>
         </p:txBody>
       </p:sp>
@@ -1208,7 +1208,7 @@
               <a:rPr lang="en-US" smtClean="0"/>
               <a:t>‹#›</a:t>
             </a:fld>
-            <a:endParaRPr lang="en-US"/>
+            <a:endParaRPr lang="en-US" dirty="0"/>
           </a:p>
         </p:txBody>
       </p:sp>
@@ -1419,7 +1419,7 @@
               <a:rPr lang="en-US" smtClean="0"/>
               <a:t>4/26/2021</a:t>
             </a:fld>
-            <a:endParaRPr lang="en-US"/>
+            <a:endParaRPr lang="en-US" dirty="0"/>
           </a:p>
         </p:txBody>
       </p:sp>
@@ -1444,7 +1444,7 @@
           <a:bodyPr/>
           <a:lstStyle/>
           <a:p>
-            <a:endParaRPr lang="en-US"/>
+            <a:endParaRPr lang="en-US" dirty="0"/>
           </a:p>
         </p:txBody>
       </p:sp>
@@ -1473,7 +1473,7 @@
               <a:rPr lang="en-US" smtClean="0"/>
               <a:t>‹#›</a:t>
             </a:fld>
-            <a:endParaRPr lang="en-US"/>
+            <a:endParaRPr lang="en-US" dirty="0"/>
           </a:p>
         </p:txBody>
       </p:sp>
@@ -1831,7 +1831,7 @@
               <a:rPr lang="en-US" smtClean="0"/>
               <a:t>4/26/2021</a:t>
             </a:fld>
-            <a:endParaRPr lang="en-US"/>
+            <a:endParaRPr lang="en-US" dirty="0"/>
           </a:p>
         </p:txBody>
       </p:sp>
@@ -1856,7 +1856,7 @@
           <a:bodyPr/>
           <a:lstStyle/>
           <a:p>
-            <a:endParaRPr lang="en-US"/>
+            <a:endParaRPr lang="en-US" dirty="0"/>
           </a:p>
         </p:txBody>
       </p:sp>
@@ -1885,7 +1885,7 @@
               <a:rPr lang="en-US" smtClean="0"/>
               <a:t>‹#›</a:t>
             </a:fld>
-            <a:endParaRPr lang="en-US"/>
+            <a:endParaRPr lang="en-US" dirty="0"/>
           </a:p>
         </p:txBody>
       </p:sp>
@@ -1972,7 +1972,7 @@
               <a:rPr lang="en-US" smtClean="0"/>
               <a:t>4/26/2021</a:t>
             </a:fld>
-            <a:endParaRPr lang="en-US"/>
+            <a:endParaRPr lang="en-US" dirty="0"/>
           </a:p>
         </p:txBody>
       </p:sp>
@@ -1997,7 +1997,7 @@
           <a:bodyPr/>
           <a:lstStyle/>
           <a:p>
-            <a:endParaRPr lang="en-US"/>
+            <a:endParaRPr lang="en-US" dirty="0"/>
           </a:p>
         </p:txBody>
       </p:sp>
@@ -2026,7 +2026,7 @@
               <a:rPr lang="en-US" smtClean="0"/>
               <a:t>‹#›</a:t>
             </a:fld>
-            <a:endParaRPr lang="en-US"/>
+            <a:endParaRPr lang="en-US" dirty="0"/>
           </a:p>
         </p:txBody>
       </p:sp>
@@ -2085,7 +2085,7 @@
               <a:rPr lang="en-US" smtClean="0"/>
               <a:t>4/26/2021</a:t>
             </a:fld>
-            <a:endParaRPr lang="en-US"/>
+            <a:endParaRPr lang="en-US" dirty="0"/>
           </a:p>
         </p:txBody>
       </p:sp>
@@ -2110,7 +2110,7 @@
           <a:bodyPr/>
           <a:lstStyle/>
           <a:p>
-            <a:endParaRPr lang="en-US"/>
+            <a:endParaRPr lang="en-US" dirty="0"/>
           </a:p>
         </p:txBody>
       </p:sp>
@@ -2139,7 +2139,7 @@
               <a:rPr lang="en-US" smtClean="0"/>
               <a:t>‹#›</a:t>
             </a:fld>
-            <a:endParaRPr lang="en-US"/>
+            <a:endParaRPr lang="en-US" dirty="0"/>
           </a:p>
         </p:txBody>
       </p:sp>
@@ -2396,7 +2396,7 @@
               <a:rPr lang="en-US" smtClean="0"/>
               <a:t>4/26/2021</a:t>
             </a:fld>
-            <a:endParaRPr lang="en-US"/>
+            <a:endParaRPr lang="en-US" dirty="0"/>
           </a:p>
         </p:txBody>
       </p:sp>
@@ -2421,7 +2421,7 @@
           <a:bodyPr/>
           <a:lstStyle/>
           <a:p>
-            <a:endParaRPr lang="en-US"/>
+            <a:endParaRPr lang="en-US" dirty="0"/>
           </a:p>
         </p:txBody>
       </p:sp>
@@ -2450,7 +2450,7 @@
               <a:rPr lang="en-US" smtClean="0"/>
               <a:t>‹#›</a:t>
             </a:fld>
-            <a:endParaRPr lang="en-US"/>
+            <a:endParaRPr lang="en-US" dirty="0"/>
           </a:p>
         </p:txBody>
       </p:sp>
@@ -2584,7 +2584,7 @@
             </a:lvl9pPr>
           </a:lstStyle>
           <a:p>
-            <a:endParaRPr lang="en-US"/>
+            <a:endParaRPr lang="en-US" dirty="0"/>
           </a:p>
         </p:txBody>
       </p:sp>
@@ -2684,7 +2684,7 @@
               <a:rPr lang="en-US" smtClean="0"/>
               <a:t>4/26/2021</a:t>
             </a:fld>
-            <a:endParaRPr lang="en-US"/>
+            <a:endParaRPr lang="en-US" dirty="0"/>
           </a:p>
         </p:txBody>
       </p:sp>
@@ -2709,7 +2709,7 @@
           <a:bodyPr/>
           <a:lstStyle/>
           <a:p>
-            <a:endParaRPr lang="en-US"/>
+            <a:endParaRPr lang="en-US" dirty="0"/>
           </a:p>
         </p:txBody>
       </p:sp>
@@ -2738,7 +2738,7 @@
               <a:rPr lang="en-US" smtClean="0"/>
               <a:t>‹#›</a:t>
             </a:fld>
-            <a:endParaRPr lang="en-US"/>
+            <a:endParaRPr lang="en-US" dirty="0"/>
           </a:p>
         </p:txBody>
       </p:sp>
@@ -2925,7 +2925,7 @@
               <a:rPr lang="en-US" smtClean="0"/>
               <a:t>4/26/2021</a:t>
             </a:fld>
-            <a:endParaRPr lang="en-US"/>
+            <a:endParaRPr lang="en-US" dirty="0"/>
           </a:p>
         </p:txBody>
       </p:sp>
@@ -2968,7 +2968,7 @@
             </a:lvl1pPr>
           </a:lstStyle>
           <a:p>
-            <a:endParaRPr lang="en-US"/>
+            <a:endParaRPr lang="en-US" dirty="0"/>
           </a:p>
         </p:txBody>
       </p:sp>
@@ -3015,7 +3015,7 @@
               <a:rPr lang="en-US" smtClean="0"/>
               <a:t>‹#›</a:t>
             </a:fld>
-            <a:endParaRPr lang="en-US"/>
+            <a:endParaRPr lang="en-US" dirty="0"/>
           </a:p>
         </p:txBody>
       </p:sp>
@@ -3387,7 +3387,7 @@
         <p:spPr/>
         <p:txBody>
           <a:bodyPr>
-            <a:normAutofit lnSpcReduction="10000"/>
+            <a:normAutofit fontScale="77500" lnSpcReduction="20000"/>
           </a:bodyPr>
           <a:lstStyle/>
           <a:p>
@@ -3399,11 +3399,15 @@
           <a:p>
             <a:r>
               <a:rPr lang="en-US" dirty="0"/>
-              <a:t>Mike Babb, </a:t>
-            </a:r>
-            <a:r>
-              <a:rPr lang="en-US" dirty="0" err="1"/>
-              <a:t>PhC</a:t>
+              <a:t>Mike Babb, Ph.C.</a:t>
+            </a:r>
+          </a:p>
+          <a:p>
+            <a:r>
+              <a:rPr lang="en-US" dirty="0">
+                <a:hlinkClick r:id="rId2"/>
+              </a:rPr>
+              <a:t>babbm@uw.edu</a:t>
             </a:r>
             <a:endParaRPr lang="en-US" dirty="0"/>
           </a:p>
@@ -3513,34 +3517,16 @@
           <a:p>
             <a:pPr lvl="1"/>
             <a:r>
-              <a:rPr lang="en-US" dirty="0" err="1"/>
-              <a:t>nrows</a:t>
-            </a:r>
-            <a:r>
-              <a:rPr lang="en-US" dirty="0"/>
-              <a:t>(object): number of rows in a matrix/</a:t>
-            </a:r>
-            <a:r>
-              <a:rPr lang="en-US" dirty="0" err="1"/>
-              <a:t>dataframe</a:t>
-            </a:r>
-            <a:endParaRPr lang="en-US" dirty="0"/>
+              <a:rPr lang="en-US" dirty="0"/>
+              <a:t>nrows(object): number of rows in a matrix/dataframe</a:t>
+            </a:r>
           </a:p>
           <a:p>
             <a:pPr lvl="1"/>
             <a:r>
-              <a:rPr lang="en-US" dirty="0" err="1"/>
-              <a:t>ncols</a:t>
-            </a:r>
-            <a:r>
-              <a:rPr lang="en-US" dirty="0"/>
-              <a:t>(object): number of columns in a matrix/</a:t>
-            </a:r>
-            <a:r>
-              <a:rPr lang="en-US" dirty="0" err="1"/>
-              <a:t>dataframe</a:t>
-            </a:r>
-            <a:endParaRPr lang="en-US" dirty="0"/>
+              <a:rPr lang="en-US" dirty="0"/>
+              <a:t>ncols(object): number of columns in a matrix/dataframe</a:t>
+            </a:r>
           </a:p>
           <a:p>
             <a:r>
@@ -3563,39 +3549,15 @@
           <a:p>
             <a:pPr lvl="1"/>
             <a:r>
-              <a:rPr lang="en-US" dirty="0" err="1"/>
-              <a:t>colnames</a:t>
-            </a:r>
-            <a:r>
-              <a:rPr lang="en-US" dirty="0"/>
-              <a:t>(object): names of matrix/</a:t>
-            </a:r>
-            <a:r>
-              <a:rPr lang="en-US" dirty="0" err="1"/>
-              <a:t>dataframe</a:t>
-            </a:r>
-            <a:r>
-              <a:rPr lang="en-US" dirty="0"/>
-              <a:t> columns</a:t>
+              <a:rPr lang="en-US" dirty="0"/>
+              <a:t>colnames(object): names of matrix/dataframe columns</a:t>
             </a:r>
           </a:p>
           <a:p>
             <a:pPr lvl="1"/>
             <a:r>
-              <a:rPr lang="en-US" dirty="0" err="1"/>
-              <a:t>rownames</a:t>
-            </a:r>
-            <a:r>
-              <a:rPr lang="en-US" dirty="0"/>
-              <a:t>(object): names of a matrix/</a:t>
-            </a:r>
-            <a:r>
-              <a:rPr lang="en-US" dirty="0" err="1"/>
-              <a:t>dataframe</a:t>
-            </a:r>
-            <a:r>
-              <a:rPr lang="en-US" dirty="0"/>
-              <a:t> rows</a:t>
+              <a:rPr lang="en-US" dirty="0"/>
+              <a:t>rownames(object): names of a matrix/dataframe rows</a:t>
             </a:r>
           </a:p>
           <a:p>
@@ -3705,50 +3667,26 @@
           <a:p>
             <a:r>
               <a:rPr lang="en-US" dirty="0"/>
-              <a:t>write.csv(): save a </a:t>
-            </a:r>
-            <a:r>
-              <a:rPr lang="en-US" dirty="0" err="1"/>
-              <a:t>dataframe</a:t>
-            </a:r>
-            <a:r>
-              <a:rPr lang="en-US" dirty="0"/>
-              <a:t> to a comma separated file on disk</a:t>
-            </a:r>
-          </a:p>
-          <a:p>
-            <a:r>
-              <a:rPr lang="en-US" dirty="0" err="1"/>
-              <a:t>saveRDS</a:t>
-            </a:r>
-            <a:r>
-              <a:rPr lang="en-US" dirty="0"/>
-              <a:t>(): save any single R object to a file on disk. </a:t>
+              <a:t>write.csv(): save a dataframe to a comma separated file on disk</a:t>
+            </a:r>
+          </a:p>
+          <a:p>
+            <a:r>
+              <a:rPr lang="en-US" dirty="0"/>
+              <a:t>saveRDS(): save any single R object to a file on disk</a:t>
             </a:r>
           </a:p>
           <a:p>
             <a:pPr lvl="1"/>
             <a:r>
               <a:rPr lang="en-US" dirty="0"/>
-              <a:t>Can be lists, regression model output, </a:t>
-            </a:r>
-            <a:r>
-              <a:rPr lang="en-US" dirty="0" err="1"/>
-              <a:t>dataframes</a:t>
-            </a:r>
-            <a:r>
-              <a:rPr lang="en-US" dirty="0"/>
-              <a:t>, vectors, matrices, etc.</a:t>
-            </a:r>
-          </a:p>
-          <a:p>
-            <a:r>
-              <a:rPr lang="en-US" dirty="0" err="1"/>
-              <a:t>readRDS</a:t>
-            </a:r>
-            <a:r>
-              <a:rPr lang="en-US" dirty="0"/>
-              <a:t>(): read any single R object from desk into memory</a:t>
+              <a:t>Can be lists, regression model output, dataframes, vectors, matrices, etc.</a:t>
+            </a:r>
+          </a:p>
+          <a:p>
+            <a:r>
+              <a:rPr lang="en-US" dirty="0"/>
+              <a:t>readRDS(): read any single R object from desk into memory</a:t>
             </a:r>
           </a:p>
           <a:p>
@@ -3856,12 +3794,8 @@
           </a:p>
           <a:p>
             <a:r>
-              <a:rPr lang="en-US" dirty="0" err="1"/>
-              <a:t>sd</a:t>
-            </a:r>
-            <a:r>
-              <a:rPr lang="en-US" dirty="0"/>
-              <a:t>()</a:t>
+              <a:rPr lang="en-US" dirty="0"/>
+              <a:t>sd()</a:t>
             </a:r>
           </a:p>
           <a:p>
@@ -3875,32 +3809,20 @@
           </a:p>
           <a:p>
             <a:r>
-              <a:rPr lang="en-US" dirty="0" err="1"/>
-              <a:t>lm</a:t>
-            </a:r>
-            <a:r>
-              <a:rPr lang="en-US" dirty="0"/>
-              <a:t>()</a:t>
-            </a:r>
-          </a:p>
-          <a:p>
-            <a:r>
-              <a:rPr lang="en-US" dirty="0" err="1"/>
-              <a:t>glm</a:t>
-            </a:r>
-            <a:r>
-              <a:rPr lang="en-US" dirty="0"/>
-              <a:t>()</a:t>
-            </a:r>
-          </a:p>
-          <a:p>
-            <a:r>
-              <a:rPr lang="en-US" dirty="0" err="1"/>
-              <a:t>anova</a:t>
-            </a:r>
-            <a:r>
-              <a:rPr lang="en-US" dirty="0"/>
-              <a:t>()</a:t>
+              <a:rPr lang="en-US" dirty="0"/>
+              <a:t>lm()</a:t>
+            </a:r>
+          </a:p>
+          <a:p>
+            <a:r>
+              <a:rPr lang="en-US" dirty="0"/>
+              <a:t>glm()</a:t>
+            </a:r>
+          </a:p>
+          <a:p>
+            <a:r>
+              <a:rPr lang="en-US" dirty="0"/>
+              <a:t>anova()</a:t>
             </a:r>
           </a:p>
         </p:txBody>
@@ -3997,23 +3919,7 @@
           <a:p>
             <a:r>
               <a:rPr lang="en-US" dirty="0"/>
-              <a:t>The functions </a:t>
-            </a:r>
-            <a:r>
-              <a:rPr lang="en-US" dirty="0" err="1"/>
-              <a:t>getwd</a:t>
-            </a:r>
-            <a:r>
-              <a:rPr lang="en-US" dirty="0"/>
-              <a:t>() and </a:t>
-            </a:r>
-            <a:r>
-              <a:rPr lang="en-US" dirty="0" err="1"/>
-              <a:t>setwd</a:t>
-            </a:r>
-            <a:r>
-              <a:rPr lang="en-US" dirty="0"/>
-              <a:t>() will get and set the working directory, respectively</a:t>
+              <a:t>The functions getwd() and setwd() will get and set the working directory, respectively</a:t>
             </a:r>
           </a:p>
           <a:p>
@@ -4033,12 +3939,8 @@
           </a:p>
           <a:p>
             <a:r>
-              <a:rPr lang="en-US" dirty="0" err="1"/>
-              <a:t>setwd</a:t>
-            </a:r>
-            <a:r>
-              <a:rPr lang="en-US" dirty="0"/>
-              <a:t>(“H:/temp")</a:t>
+              <a:rPr lang="en-US" dirty="0"/>
+              <a:t>setwd(“H:/temp")</a:t>
             </a:r>
           </a:p>
           <a:p>
@@ -4127,85 +4029,37 @@
           <a:p>
             <a:r>
               <a:rPr lang="en-US" dirty="0"/>
-              <a:t>View(</a:t>
-            </a:r>
-            <a:r>
-              <a:rPr lang="en-US" dirty="0" err="1"/>
-              <a:t>dataframe</a:t>
-            </a:r>
-            <a:r>
-              <a:rPr lang="en-US" dirty="0"/>
-              <a:t>) : view the whole dataset in a new window</a:t>
-            </a:r>
-          </a:p>
-          <a:p>
-            <a:r>
-              <a:rPr lang="en-US" dirty="0" err="1"/>
-              <a:t>dataframe$variable</a:t>
-            </a:r>
-            <a:r>
-              <a:rPr lang="en-US" dirty="0"/>
-              <a:t> : view the values for the variable</a:t>
-            </a:r>
-          </a:p>
-          <a:p>
-            <a:r>
-              <a:rPr lang="en-US" dirty="0"/>
-              <a:t>head(</a:t>
-            </a:r>
-            <a:r>
-              <a:rPr lang="en-US" dirty="0" err="1"/>
-              <a:t>dataframe</a:t>
-            </a:r>
-            <a:r>
-              <a:rPr lang="en-US" dirty="0"/>
-              <a:t>) : view the first few rows</a:t>
-            </a:r>
-          </a:p>
-          <a:p>
-            <a:r>
-              <a:rPr lang="en-US" dirty="0"/>
-              <a:t>tail(</a:t>
-            </a:r>
-            <a:r>
-              <a:rPr lang="en-US" dirty="0" err="1"/>
-              <a:t>dataframe</a:t>
-            </a:r>
-            <a:r>
-              <a:rPr lang="en-US" dirty="0"/>
-              <a:t>) : view the last few rows</a:t>
-            </a:r>
-          </a:p>
-          <a:p>
-            <a:r>
-              <a:rPr lang="en-US" dirty="0" err="1"/>
-              <a:t>colnames</a:t>
-            </a:r>
-            <a:r>
-              <a:rPr lang="en-US" dirty="0"/>
-              <a:t>(</a:t>
-            </a:r>
-            <a:r>
-              <a:rPr lang="en-US" dirty="0" err="1"/>
-              <a:t>dataframe</a:t>
-            </a:r>
-            <a:r>
-              <a:rPr lang="en-US" dirty="0"/>
-              <a:t>) : view variable names</a:t>
-            </a:r>
-          </a:p>
-          <a:p>
-            <a:r>
-              <a:rPr lang="en-US" dirty="0"/>
-              <a:t>summary(</a:t>
-            </a:r>
-            <a:r>
-              <a:rPr lang="en-US" dirty="0" err="1"/>
-              <a:t>dataframe</a:t>
-            </a:r>
-            <a:r>
-              <a:rPr lang="en-US" dirty="0"/>
-              <a:t>) : view a summary of your data</a:t>
+              <a:t>View(dataframe) : view the whole dataset in a new window</a:t>
+            </a:r>
+          </a:p>
+          <a:p>
+            <a:r>
+              <a:rPr lang="en-US" dirty="0"/>
+              <a:t>dataframe$variable : view the values for the variable</a:t>
+            </a:r>
+          </a:p>
+          <a:p>
+            <a:r>
+              <a:rPr lang="en-US" dirty="0"/>
+              <a:t>head(dataframe) : view the first few rows</a:t>
+            </a:r>
+          </a:p>
+          <a:p>
+            <a:r>
+              <a:rPr lang="en-US" dirty="0"/>
+              <a:t>tail(dataframe) : view the last few rows</a:t>
+            </a:r>
+          </a:p>
+          <a:p>
+            <a:r>
+              <a:rPr lang="en-US" dirty="0"/>
+              <a:t>colnames(dataframe) : view variable names</a:t>
+            </a:r>
+          </a:p>
+          <a:p>
+            <a:r>
+              <a:rPr lang="en-US" dirty="0"/>
+              <a:t>summary(dataframe) : view a summary of your data</a:t>
             </a:r>
           </a:p>
           <a:p>
@@ -4431,9 +4285,15 @@
           <a:lstStyle/>
           <a:p>
             <a:r>
-              <a:rPr lang="en-US" dirty="0"/>
-              <a:t>GitHub Link</a:t>
-            </a:r>
+              <a:rPr lang="en-US" dirty="0">
+                <a:hlinkClick r:id="rId2"/>
+              </a:rPr>
+              <a:t>https://github.com/mike-babb/intro_to_r_studio</a:t>
+            </a:r>
+            <a:endParaRPr lang="en-US" dirty="0"/>
+          </a:p>
+          <a:p>
+            <a:endParaRPr lang="en-US" dirty="0"/>
           </a:p>
         </p:txBody>
       </p:sp>
@@ -4513,46 +4373,36 @@
         </p:nvSpPr>
         <p:spPr/>
         <p:txBody>
-          <a:bodyPr/>
-          <a:lstStyle/>
-          <a:p>
-            <a:r>
-              <a:rPr lang="en-US" dirty="0">
+          <a:bodyPr>
+            <a:normAutofit/>
+          </a:bodyPr>
+          <a:lstStyle/>
+          <a:p>
+            <a:r>
+              <a:rPr lang="en-US" sz="3200" dirty="0">
                 <a:hlinkClick r:id="rId2"/>
               </a:rPr>
               <a:t>https://cran.r-project.org/</a:t>
             </a:r>
-            <a:r>
-              <a:rPr lang="en-US" dirty="0"/>
-              <a:t>: programs available </a:t>
-            </a:r>
-          </a:p>
-          <a:p>
-            <a:r>
-              <a:rPr lang="en-US" dirty="0"/>
+            <a:endParaRPr lang="en-US" sz="3200" dirty="0"/>
+          </a:p>
+          <a:p>
+            <a:r>
+              <a:rPr lang="en-US" sz="3200" dirty="0"/>
               <a:t>Free programming environment for statistical computing, data analysis, and visualization.</a:t>
             </a:r>
           </a:p>
           <a:p>
             <a:r>
-              <a:rPr lang="en-US" dirty="0"/>
+              <a:rPr lang="en-US" sz="3200" dirty="0"/>
               <a:t>Designed to work with vectors and matrices.</a:t>
             </a:r>
           </a:p>
           <a:p>
             <a:r>
-              <a:rPr lang="en-US" dirty="0"/>
+              <a:rPr lang="en-US" sz="3200" dirty="0"/>
               <a:t>Cross platform – runs on Mac, Linux, and Windows</a:t>
             </a:r>
-          </a:p>
-          <a:p>
-            <a:r>
-              <a:rPr lang="en-US" dirty="0"/>
-              <a:t>Case sensitive: ‘X’ != ‘x’</a:t>
-            </a:r>
-          </a:p>
-          <a:p>
-            <a:endParaRPr lang="en-US" dirty="0"/>
           </a:p>
         </p:txBody>
       </p:sp>
@@ -4648,7 +4498,7 @@
           <a:p>
             <a:r>
               <a:rPr lang="en-US" dirty="0"/>
-              <a:t>Integrated development environment (IDE) for R.</a:t>
+              <a:t>Integrated development environment (IDE) for R offering:</a:t>
             </a:r>
           </a:p>
           <a:p>
@@ -4876,15 +4726,7 @@
           <a:p>
             <a:r>
               <a:rPr lang="en-US" dirty="0"/>
-              <a:t>To use packages in R, we must first install them using the </a:t>
-            </a:r>
-            <a:r>
-              <a:rPr lang="en-US" dirty="0" err="1"/>
-              <a:t>install.packages</a:t>
-            </a:r>
-            <a:r>
-              <a:rPr lang="en-US" dirty="0"/>
-              <a:t>() function and then load them with library().</a:t>
+              <a:t>To use packages in R, we must first install them using the install.packages() function and then load them with library().</a:t>
             </a:r>
           </a:p>
           <a:p>
@@ -4895,34 +4737,14 @@
           </a:p>
           <a:p>
             <a:r>
-              <a:rPr lang="en-US" dirty="0" err="1"/>
-              <a:t>install.packages</a:t>
-            </a:r>
-            <a:r>
-              <a:rPr lang="en-US" dirty="0"/>
-              <a:t>(“</a:t>
-            </a:r>
-            <a:r>
-              <a:rPr lang="en-US" dirty="0" err="1"/>
-              <a:t>data.table</a:t>
-            </a:r>
-            <a:r>
-              <a:rPr lang="en-US" dirty="0"/>
-              <a:t>”)</a:t>
-            </a:r>
-          </a:p>
-          <a:p>
-            <a:r>
-              <a:rPr lang="en-US" dirty="0"/>
-              <a:t>library(“</a:t>
-            </a:r>
-            <a:r>
-              <a:rPr lang="en-US" dirty="0" err="1"/>
-              <a:t>data.table</a:t>
-            </a:r>
-            <a:r>
-              <a:rPr lang="en-US" dirty="0"/>
-              <a:t>”)</a:t>
+              <a:rPr lang="en-US" dirty="0"/>
+              <a:t>install.packages(“data.table”)</a:t>
+            </a:r>
+          </a:p>
+          <a:p>
+            <a:r>
+              <a:rPr lang="en-US" dirty="0"/>
+              <a:t>library(“data.table”)</a:t>
             </a:r>
           </a:p>
           <a:p>
@@ -5167,7 +4989,7 @@
             </a:r>
             <a:r>
               <a:rPr lang="en-US" dirty="0"/>
-              <a:t>ll columns must have the same mode (numeric, character, etc.) and the same length</a:t>
+              <a:t>ll columns have the same mode (numeric, character, etc.) and the same length</a:t>
             </a:r>
           </a:p>
           <a:p>
@@ -5179,7 +5001,7 @@
               <a:rPr lang="en-US" dirty="0">
                 <a:sym typeface="Wingdings" panose="05000000000000000000" pitchFamily="2" charset="2"/>
               </a:rPr>
-              <a:t> combine the features of matrices and lists</a:t>
+              <a:t> combines the features of matrices and lists</a:t>
             </a:r>
           </a:p>
           <a:p>
@@ -5203,7 +5025,7 @@
           <a:p>
             <a:r>
               <a:rPr lang="en-US" dirty="0"/>
-              <a:t>Vectors: a sequence of data elements of the same basic type.  </a:t>
+              <a:t>Vectors: a sequence of data elements of the same basic type</a:t>
             </a:r>
           </a:p>
           <a:p>
@@ -5320,23 +5142,18 @@
               <a:buNone/>
             </a:pPr>
             <a:r>
-              <a:rPr lang="en-US" sz="2800" dirty="0" err="1"/>
+              <a:rPr lang="en-US" sz="2800" dirty="0"/>
+              <a:t>first_vec &lt;- c(1, 3, 5)</a:t>
+            </a:r>
+          </a:p>
+          <a:p>
+            <a:pPr marL="0" indent="0">
+              <a:buNone/>
+            </a:pPr>
+            <a:r>
+              <a:rPr lang="en-US" sz="2800" dirty="0"/>
               <a:t>first_vec</a:t>
             </a:r>
-            <a:r>
-              <a:rPr lang="en-US" sz="2800" dirty="0"/>
-              <a:t> &lt;- c(1, 3, 5)</a:t>
-            </a:r>
-          </a:p>
-          <a:p>
-            <a:pPr marL="0" indent="0">
-              <a:buNone/>
-            </a:pPr>
-            <a:r>
-              <a:rPr lang="en-US" sz="2800" dirty="0" err="1"/>
-              <a:t>first_vec</a:t>
-            </a:r>
-            <a:endParaRPr lang="en-US" sz="2800" dirty="0"/>
           </a:p>
           <a:p>
             <a:pPr marL="0" indent="0">
@@ -5358,31 +5175,18 @@
               <a:buNone/>
             </a:pPr>
             <a:r>
-              <a:rPr lang="en-US" sz="2800" dirty="0" err="1"/>
+              <a:rPr lang="en-US" sz="2800" dirty="0"/>
+              <a:t>mylist &lt;- list(1.1, c(1,3,7), c("abc", "def"))</a:t>
+            </a:r>
+          </a:p>
+          <a:p>
+            <a:pPr marL="0" indent="0">
+              <a:buNone/>
+            </a:pPr>
+            <a:r>
+              <a:rPr lang="en-US" sz="2800" dirty="0"/>
               <a:t>mylist</a:t>
             </a:r>
-            <a:r>
-              <a:rPr lang="en-US" sz="2800" dirty="0"/>
-              <a:t> &lt;- list(1.1, c(1,3,7), c("</a:t>
-            </a:r>
-            <a:r>
-              <a:rPr lang="en-US" sz="2800" dirty="0" err="1"/>
-              <a:t>abc</a:t>
-            </a:r>
-            <a:r>
-              <a:rPr lang="en-US" sz="2800" dirty="0"/>
-              <a:t>", "def"))</a:t>
-            </a:r>
-          </a:p>
-          <a:p>
-            <a:pPr marL="0" indent="0">
-              <a:buNone/>
-            </a:pPr>
-            <a:r>
-              <a:rPr lang="en-US" sz="2800" dirty="0" err="1"/>
-              <a:t>mylist</a:t>
-            </a:r>
-            <a:endParaRPr lang="en-US" sz="2800" dirty="0"/>
           </a:p>
           <a:p>
             <a:endParaRPr lang="en-US" dirty="0"/>
